--- a/latex/Groutes.pptx
+++ b/latex/Groutes.pptx
@@ -7,14 +7,13 @@
   <p:sldIdLst>
     <p:sldId id="256" r:id="rId2"/>
     <p:sldId id="257" r:id="rId3"/>
-    <p:sldId id="258" r:id="rId4"/>
-    <p:sldId id="264" r:id="rId5"/>
-    <p:sldId id="259" r:id="rId6"/>
-    <p:sldId id="265" r:id="rId7"/>
-    <p:sldId id="260" r:id="rId8"/>
-    <p:sldId id="261" r:id="rId9"/>
-    <p:sldId id="262" r:id="rId10"/>
-    <p:sldId id="263" r:id="rId11"/>
+    <p:sldId id="264" r:id="rId4"/>
+    <p:sldId id="259" r:id="rId5"/>
+    <p:sldId id="265" r:id="rId6"/>
+    <p:sldId id="260" r:id="rId7"/>
+    <p:sldId id="261" r:id="rId8"/>
+    <p:sldId id="262" r:id="rId9"/>
+    <p:sldId id="263" r:id="rId10"/>
   </p:sldIdLst>
   <p:sldSz cx="12192000" cy="6858000"/>
   <p:notesSz cx="6858000" cy="9144000"/>
@@ -113,6 +112,11 @@
       </a:defRPr>
     </a:lvl9pPr>
   </p:defaultTextStyle>
+  <p:extLst>
+    <p:ext uri="{EFAFB233-063F-42B5-8137-9DF3F51BA10A}">
+      <p15:sldGuideLst xmlns:p15="http://schemas.microsoft.com/office/powerpoint/2012/main"/>
+    </p:ext>
+  </p:extLst>
 </p:presentation>
 </file>
 
@@ -3939,71 +3943,6 @@
 </p:sld>
 </file>
 
-<file path=ppt/slides/slide10.xml><?xml version="1.0" encoding="utf-8"?>
-<p:sld xmlns:a="http://schemas.openxmlformats.org/drawingml/2006/main" xmlns:r="http://schemas.openxmlformats.org/officeDocument/2006/relationships" xmlns:p="http://schemas.openxmlformats.org/presentationml/2006/main">
-  <p:cSld>
-    <p:spTree>
-      <p:nvGrpSpPr>
-        <p:cNvPr id="1" name=""/>
-        <p:cNvGrpSpPr/>
-        <p:nvPr/>
-      </p:nvGrpSpPr>
-      <p:grpSpPr>
-        <a:xfrm>
-          <a:off x="0" y="0"/>
-          <a:ext cx="0" cy="0"/>
-          <a:chOff x="0" y="0"/>
-          <a:chExt cx="0" cy="0"/>
-        </a:xfrm>
-      </p:grpSpPr>
-      <p:sp>
-        <p:nvSpPr>
-          <p:cNvPr id="6" name="Title 5">
-            <a:extLst>
-              <a:ext uri="{FF2B5EF4-FFF2-40B4-BE49-F238E27FC236}">
-                <a16:creationId xmlns:a16="http://schemas.microsoft.com/office/drawing/2014/main" id="{EC1A1A08-5C97-4DCA-BACC-5CAF0EBF67D7}"/>
-              </a:ext>
-            </a:extLst>
-          </p:cNvPr>
-          <p:cNvSpPr>
-            <a:spLocks noGrp="1"/>
-          </p:cNvSpPr>
-          <p:nvPr>
-            <p:ph type="title"/>
-          </p:nvPr>
-        </p:nvSpPr>
-        <p:spPr>
-          <a:xfrm>
-            <a:off x="1295400" y="2686050"/>
-            <a:ext cx="9601200" cy="1485900"/>
-          </a:xfrm>
-        </p:spPr>
-        <p:txBody>
-          <a:bodyPr/>
-          <a:lstStyle/>
-          <a:p>
-            <a:pPr algn="ctr"/>
-            <a:r>
-              <a:rPr lang="hu-HU" dirty="0"/>
-              <a:t>Köszönöm a figyelmet!</a:t>
-            </a:r>
-            <a:endParaRPr lang="en-US" dirty="0"/>
-          </a:p>
-        </p:txBody>
-      </p:sp>
-    </p:spTree>
-    <p:extLst>
-      <p:ext uri="{BB962C8B-B14F-4D97-AF65-F5344CB8AC3E}">
-        <p14:creationId xmlns:p14="http://schemas.microsoft.com/office/powerpoint/2010/main" val="970662848"/>
-      </p:ext>
-    </p:extLst>
-  </p:cSld>
-  <p:clrMapOvr>
-    <a:masterClrMapping/>
-  </p:clrMapOvr>
-</p:sld>
-</file>
-
 <file path=ppt/slides/slide2.xml><?xml version="1.0" encoding="utf-8"?>
 <p:sld xmlns:a="http://schemas.openxmlformats.org/drawingml/2006/main" xmlns:r="http://schemas.openxmlformats.org/officeDocument/2006/relationships" xmlns:p="http://schemas.openxmlformats.org/presentationml/2006/main">
   <p:cSld>
@@ -4225,7 +4164,7 @@
           <a:p>
             <a:r>
               <a:rPr lang="hu-HU" dirty="0"/>
-              <a:t>Gráfok - alapfogalmak</a:t>
+              <a:t>Gráfok - útproblémák</a:t>
             </a:r>
             <a:endParaRPr lang="en-US" dirty="0"/>
           </a:p>
@@ -4254,32 +4193,35 @@
           <a:p>
             <a:r>
               <a:rPr lang="hu-HU" dirty="0"/>
-              <a:t>Teljes gráf</a:t>
+              <a:t>Hamilton-kör</a:t>
             </a:r>
           </a:p>
           <a:p>
             <a:r>
               <a:rPr lang="hu-HU" dirty="0"/>
-              <a:t>Irányított gráf</a:t>
+              <a:t>Minimális feszítőfa</a:t>
             </a:r>
           </a:p>
           <a:p>
             <a:r>
               <a:rPr lang="hu-HU" dirty="0"/>
-              <a:t>Séta</a:t>
+              <a:t>Kínai postás</a:t>
             </a:r>
           </a:p>
           <a:p>
             <a:r>
               <a:rPr lang="hu-HU" dirty="0"/>
-              <a:t>Út</a:t>
+              <a:t>Königsbergi hidak</a:t>
             </a:r>
           </a:p>
           <a:p>
             <a:r>
               <a:rPr lang="hu-HU" dirty="0"/>
-              <a:t>Hamilton-út</a:t>
-            </a:r>
+              <a:t>Legrövidebb út</a:t>
+            </a:r>
+          </a:p>
+          <a:p>
+            <a:endParaRPr lang="hu-HU" dirty="0"/>
           </a:p>
         </p:txBody>
       </p:sp>
@@ -4288,7 +4230,7 @@
           <p:cNvPr id="6" name="Content Placeholder 5">
             <a:extLst>
               <a:ext uri="{FF2B5EF4-FFF2-40B4-BE49-F238E27FC236}">
-                <a16:creationId xmlns:a16="http://schemas.microsoft.com/office/drawing/2014/main" id="{EBBF23DA-2164-4A94-9724-B2B538D352AA}"/>
+                <a16:creationId xmlns:a16="http://schemas.microsoft.com/office/drawing/2014/main" id="{901B2AD9-6D77-4D75-AE86-77255D301B72}"/>
               </a:ext>
             </a:extLst>
           </p:cNvPr>
@@ -4307,15 +4249,15 @@
         </p:blipFill>
         <p:spPr>
           <a:xfrm>
-            <a:off x="6735964" y="2084663"/>
-            <a:ext cx="3683161" cy="2430886"/>
+            <a:off x="6819900" y="2285999"/>
+            <a:ext cx="4000500" cy="2143125"/>
           </a:xfrm>
         </p:spPr>
       </p:pic>
     </p:spTree>
     <p:extLst>
       <p:ext uri="{BB962C8B-B14F-4D97-AF65-F5344CB8AC3E}">
-        <p14:creationId xmlns:p14="http://schemas.microsoft.com/office/powerpoint/2010/main" val="2087604263"/>
+        <p14:creationId xmlns:p14="http://schemas.microsoft.com/office/powerpoint/2010/main" val="1171231057"/>
       </p:ext>
     </p:extLst>
   </p:cSld>
@@ -4365,7 +4307,7 @@
           <a:p>
             <a:r>
               <a:rPr lang="hu-HU" dirty="0"/>
-              <a:t>Gráfok - útproblémák</a:t>
+              <a:t>Az utazó ügynök problémája (TSP)</a:t>
             </a:r>
             <a:endParaRPr lang="en-US" dirty="0"/>
           </a:p>
@@ -4394,35 +4336,41 @@
           <a:p>
             <a:r>
               <a:rPr lang="hu-HU" dirty="0"/>
-              <a:t>Hamilton-kör</a:t>
-            </a:r>
+              <a:t>Definíció</a:t>
+            </a:r>
+          </a:p>
+          <a:p>
+            <a:endParaRPr lang="hu-HU" dirty="0"/>
           </a:p>
           <a:p>
             <a:r>
               <a:rPr lang="hu-HU" dirty="0"/>
-              <a:t>Minimális feszítőfa</a:t>
-            </a:r>
+              <a:t>Komplexitás</a:t>
+            </a:r>
+          </a:p>
+          <a:p>
+            <a:endParaRPr lang="hu-HU" dirty="0"/>
           </a:p>
           <a:p>
             <a:r>
               <a:rPr lang="hu-HU" dirty="0"/>
-              <a:t>Kínai postás</a:t>
-            </a:r>
+              <a:t>Aszimmetrikus TSP</a:t>
+            </a:r>
+          </a:p>
+          <a:p>
+            <a:endParaRPr lang="hu-HU" dirty="0"/>
           </a:p>
           <a:p>
             <a:r>
               <a:rPr lang="hu-HU" dirty="0"/>
-              <a:t>Königsbergi hidak</a:t>
-            </a:r>
-          </a:p>
-          <a:p>
-            <a:r>
-              <a:rPr lang="hu-HU" dirty="0"/>
-              <a:t>Legrövidebb út</a:t>
+              <a:t>Egzakt vs heurisztikus algoritmusok</a:t>
             </a:r>
           </a:p>
           <a:p>
             <a:endParaRPr lang="hu-HU" dirty="0"/>
+          </a:p>
+          <a:p>
+            <a:endParaRPr lang="en-US" dirty="0"/>
           </a:p>
         </p:txBody>
       </p:sp>
@@ -4431,7 +4379,7 @@
           <p:cNvPr id="6" name="Content Placeholder 5">
             <a:extLst>
               <a:ext uri="{FF2B5EF4-FFF2-40B4-BE49-F238E27FC236}">
-                <a16:creationId xmlns:a16="http://schemas.microsoft.com/office/drawing/2014/main" id="{901B2AD9-6D77-4D75-AE86-77255D301B72}"/>
+                <a16:creationId xmlns:a16="http://schemas.microsoft.com/office/drawing/2014/main" id="{6CE3707A-217C-4A0E-BFD5-8D980CB59AEE}"/>
               </a:ext>
             </a:extLst>
           </p:cNvPr>
@@ -4450,15 +4398,15 @@
         </p:blipFill>
         <p:spPr>
           <a:xfrm>
-            <a:off x="6819900" y="2285999"/>
-            <a:ext cx="4000500" cy="2143125"/>
+            <a:off x="7516801" y="2171700"/>
+            <a:ext cx="2749049" cy="3581400"/>
           </a:xfrm>
         </p:spPr>
       </p:pic>
     </p:spTree>
     <p:extLst>
       <p:ext uri="{BB962C8B-B14F-4D97-AF65-F5344CB8AC3E}">
-        <p14:creationId xmlns:p14="http://schemas.microsoft.com/office/powerpoint/2010/main" val="1171231057"/>
+        <p14:creationId xmlns:p14="http://schemas.microsoft.com/office/powerpoint/2010/main" val="731575640"/>
       </p:ext>
     </p:extLst>
   </p:cSld>
@@ -4508,155 +4456,6 @@
           <a:p>
             <a:r>
               <a:rPr lang="hu-HU" dirty="0"/>
-              <a:t>Az utazó ügynök problémája (TSP)</a:t>
-            </a:r>
-            <a:endParaRPr lang="en-US" dirty="0"/>
-          </a:p>
-        </p:txBody>
-      </p:sp>
-      <p:sp>
-        <p:nvSpPr>
-          <p:cNvPr id="3" name="Content Placeholder 2">
-            <a:extLst>
-              <a:ext uri="{FF2B5EF4-FFF2-40B4-BE49-F238E27FC236}">
-                <a16:creationId xmlns:a16="http://schemas.microsoft.com/office/drawing/2014/main" id="{F77B0B2B-88BD-4804-9BE1-EE01DBB16CCA}"/>
-              </a:ext>
-            </a:extLst>
-          </p:cNvPr>
-          <p:cNvSpPr>
-            <a:spLocks noGrp="1"/>
-          </p:cNvSpPr>
-          <p:nvPr>
-            <p:ph sz="half" idx="1"/>
-          </p:nvPr>
-        </p:nvSpPr>
-        <p:spPr/>
-        <p:txBody>
-          <a:bodyPr/>
-          <a:lstStyle/>
-          <a:p>
-            <a:r>
-              <a:rPr lang="hu-HU" dirty="0"/>
-              <a:t>Definíció</a:t>
-            </a:r>
-          </a:p>
-          <a:p>
-            <a:endParaRPr lang="hu-HU" dirty="0"/>
-          </a:p>
-          <a:p>
-            <a:r>
-              <a:rPr lang="hu-HU" dirty="0"/>
-              <a:t>Komplexitás</a:t>
-            </a:r>
-          </a:p>
-          <a:p>
-            <a:endParaRPr lang="hu-HU" dirty="0"/>
-          </a:p>
-          <a:p>
-            <a:r>
-              <a:rPr lang="hu-HU" dirty="0"/>
-              <a:t>Aszimmetrikus TSP</a:t>
-            </a:r>
-          </a:p>
-          <a:p>
-            <a:endParaRPr lang="hu-HU" dirty="0"/>
-          </a:p>
-          <a:p>
-            <a:r>
-              <a:rPr lang="hu-HU" dirty="0"/>
-              <a:t>Egzakt vs heurisztikus algoritmusok</a:t>
-            </a:r>
-          </a:p>
-          <a:p>
-            <a:endParaRPr lang="hu-HU" dirty="0"/>
-          </a:p>
-          <a:p>
-            <a:endParaRPr lang="en-US" dirty="0"/>
-          </a:p>
-        </p:txBody>
-      </p:sp>
-      <p:pic>
-        <p:nvPicPr>
-          <p:cNvPr id="6" name="Content Placeholder 5">
-            <a:extLst>
-              <a:ext uri="{FF2B5EF4-FFF2-40B4-BE49-F238E27FC236}">
-                <a16:creationId xmlns:a16="http://schemas.microsoft.com/office/drawing/2014/main" id="{6CE3707A-217C-4A0E-BFD5-8D980CB59AEE}"/>
-              </a:ext>
-            </a:extLst>
-          </p:cNvPr>
-          <p:cNvPicPr>
-            <a:picLocks noGrp="1" noChangeAspect="1"/>
-          </p:cNvPicPr>
-          <p:nvPr>
-            <p:ph sz="half" idx="2"/>
-          </p:nvPr>
-        </p:nvPicPr>
-        <p:blipFill>
-          <a:blip r:embed="rId2"/>
-          <a:stretch>
-            <a:fillRect/>
-          </a:stretch>
-        </p:blipFill>
-        <p:spPr>
-          <a:xfrm>
-            <a:off x="7516801" y="2171700"/>
-            <a:ext cx="2749049" cy="3581400"/>
-          </a:xfrm>
-        </p:spPr>
-      </p:pic>
-    </p:spTree>
-    <p:extLst>
-      <p:ext uri="{BB962C8B-B14F-4D97-AF65-F5344CB8AC3E}">
-        <p14:creationId xmlns:p14="http://schemas.microsoft.com/office/powerpoint/2010/main" val="731575640"/>
-      </p:ext>
-    </p:extLst>
-  </p:cSld>
-  <p:clrMapOvr>
-    <a:masterClrMapping/>
-  </p:clrMapOvr>
-</p:sld>
-</file>
-
-<file path=ppt/slides/slide6.xml><?xml version="1.0" encoding="utf-8"?>
-<p:sld xmlns:a="http://schemas.openxmlformats.org/drawingml/2006/main" xmlns:r="http://schemas.openxmlformats.org/officeDocument/2006/relationships" xmlns:p="http://schemas.openxmlformats.org/presentationml/2006/main">
-  <p:cSld>
-    <p:spTree>
-      <p:nvGrpSpPr>
-        <p:cNvPr id="1" name=""/>
-        <p:cNvGrpSpPr/>
-        <p:nvPr/>
-      </p:nvGrpSpPr>
-      <p:grpSpPr>
-        <a:xfrm>
-          <a:off x="0" y="0"/>
-          <a:ext cx="0" cy="0"/>
-          <a:chOff x="0" y="0"/>
-          <a:chExt cx="0" cy="0"/>
-        </a:xfrm>
-      </p:grpSpPr>
-      <p:sp>
-        <p:nvSpPr>
-          <p:cNvPr id="2" name="Title 1">
-            <a:extLst>
-              <a:ext uri="{FF2B5EF4-FFF2-40B4-BE49-F238E27FC236}">
-                <a16:creationId xmlns:a16="http://schemas.microsoft.com/office/drawing/2014/main" id="{D21A0308-3E3A-4F86-8850-154C06EE21A9}"/>
-              </a:ext>
-            </a:extLst>
-          </p:cNvPr>
-          <p:cNvSpPr>
-            <a:spLocks noGrp="1"/>
-          </p:cNvSpPr>
-          <p:nvPr>
-            <p:ph type="title"/>
-          </p:nvPr>
-        </p:nvSpPr>
-        <p:spPr/>
-        <p:txBody>
-          <a:bodyPr/>
-          <a:lstStyle/>
-          <a:p>
-            <a:r>
-              <a:rPr lang="hu-HU" dirty="0"/>
               <a:t>TSP - algoritmusok</a:t>
             </a:r>
             <a:endParaRPr lang="en-US" dirty="0"/>
@@ -4788,7 +4587,7 @@
 </p:sld>
 </file>
 
-<file path=ppt/slides/slide7.xml><?xml version="1.0" encoding="utf-8"?>
+<file path=ppt/slides/slide6.xml><?xml version="1.0" encoding="utf-8"?>
 <p:sld xmlns:a="http://schemas.openxmlformats.org/drawingml/2006/main" xmlns:r="http://schemas.openxmlformats.org/officeDocument/2006/relationships" xmlns:p="http://schemas.openxmlformats.org/presentationml/2006/main">
   <p:cSld>
     <p:spTree>
@@ -5137,6 +4936,110 @@
 </p:sld>
 </file>
 
+<file path=ppt/slides/slide7.xml><?xml version="1.0" encoding="utf-8"?>
+<p:sld xmlns:a="http://schemas.openxmlformats.org/drawingml/2006/main" xmlns:r="http://schemas.openxmlformats.org/officeDocument/2006/relationships" xmlns:p="http://schemas.openxmlformats.org/presentationml/2006/main">
+  <p:cSld>
+    <p:spTree>
+      <p:nvGrpSpPr>
+        <p:cNvPr id="1" name=""/>
+        <p:cNvGrpSpPr/>
+        <p:nvPr/>
+      </p:nvGrpSpPr>
+      <p:grpSpPr>
+        <a:xfrm>
+          <a:off x="0" y="0"/>
+          <a:ext cx="0" cy="0"/>
+          <a:chOff x="0" y="0"/>
+          <a:chExt cx="0" cy="0"/>
+        </a:xfrm>
+      </p:grpSpPr>
+      <p:sp>
+        <p:nvSpPr>
+          <p:cNvPr id="2" name="Title 1">
+            <a:extLst>
+              <a:ext uri="{FF2B5EF4-FFF2-40B4-BE49-F238E27FC236}">
+                <a16:creationId xmlns:a16="http://schemas.microsoft.com/office/drawing/2014/main" id="{D21A0308-3E3A-4F86-8850-154C06EE21A9}"/>
+              </a:ext>
+            </a:extLst>
+          </p:cNvPr>
+          <p:cNvSpPr>
+            <a:spLocks noGrp="1"/>
+          </p:cNvSpPr>
+          <p:nvPr>
+            <p:ph type="title"/>
+          </p:nvPr>
+        </p:nvSpPr>
+        <p:spPr/>
+        <p:txBody>
+          <a:bodyPr/>
+          <a:lstStyle/>
+          <a:p>
+            <a:r>
+              <a:rPr lang="hu-HU" dirty="0"/>
+              <a:t>GRoutes</a:t>
+            </a:r>
+            <a:endParaRPr lang="en-US" dirty="0"/>
+          </a:p>
+        </p:txBody>
+      </p:sp>
+      <p:sp>
+        <p:nvSpPr>
+          <p:cNvPr id="3" name="Content Placeholder 2">
+            <a:extLst>
+              <a:ext uri="{FF2B5EF4-FFF2-40B4-BE49-F238E27FC236}">
+                <a16:creationId xmlns:a16="http://schemas.microsoft.com/office/drawing/2014/main" id="{F77B0B2B-88BD-4804-9BE1-EE01DBB16CCA}"/>
+              </a:ext>
+            </a:extLst>
+          </p:cNvPr>
+          <p:cNvSpPr>
+            <a:spLocks noGrp="1"/>
+          </p:cNvSpPr>
+          <p:nvPr>
+            <p:ph idx="1"/>
+          </p:nvPr>
+        </p:nvSpPr>
+        <p:spPr>
+          <a:xfrm>
+            <a:off x="1371600" y="2171700"/>
+            <a:ext cx="9601200" cy="3812097"/>
+          </a:xfrm>
+        </p:spPr>
+        <p:txBody>
+          <a:bodyPr>
+            <a:normAutofit/>
+          </a:bodyPr>
+          <a:lstStyle/>
+          <a:p>
+            <a:pPr marL="0" indent="0" algn="ctr">
+              <a:buNone/>
+            </a:pPr>
+            <a:endParaRPr lang="hu-HU" sz="3200" dirty="0"/>
+          </a:p>
+          <a:p>
+            <a:pPr marL="0" indent="0" algn="ctr">
+              <a:buNone/>
+            </a:pPr>
+            <a:r>
+              <a:rPr lang="hu-HU" sz="4400" dirty="0"/>
+              <a:t>Demó</a:t>
+            </a:r>
+            <a:endParaRPr lang="en-US" sz="4400" dirty="0"/>
+          </a:p>
+        </p:txBody>
+      </p:sp>
+    </p:spTree>
+    <p:extLst>
+      <p:ext uri="{BB962C8B-B14F-4D97-AF65-F5344CB8AC3E}">
+        <p14:creationId xmlns:p14="http://schemas.microsoft.com/office/powerpoint/2010/main" val="696035006"/>
+      </p:ext>
+    </p:extLst>
+  </p:cSld>
+  <p:clrMapOvr>
+    <a:masterClrMapping/>
+  </p:clrMapOvr>
+</p:sld>
+</file>
+
 <file path=ppt/slides/slide8.xml><?xml version="1.0" encoding="utf-8"?>
 <p:sld xmlns:a="http://schemas.openxmlformats.org/drawingml/2006/main" xmlns:r="http://schemas.openxmlformats.org/officeDocument/2006/relationships" xmlns:p="http://schemas.openxmlformats.org/presentationml/2006/main">
   <p:cSld>
@@ -5177,7 +5080,7 @@
           <a:p>
             <a:r>
               <a:rPr lang="hu-HU" dirty="0"/>
-              <a:t>GRoutes</a:t>
+              <a:t>Következtetések és továbbfejlesztési lehetőségek</a:t>
             </a:r>
             <a:endParaRPr lang="en-US" dirty="0"/>
           </a:p>
@@ -5199,39 +5102,44 @@
             <p:ph idx="1"/>
           </p:nvPr>
         </p:nvSpPr>
-        <p:spPr>
-          <a:xfrm>
-            <a:off x="1371600" y="2171700"/>
-            <a:ext cx="9601200" cy="3812097"/>
-          </a:xfrm>
-        </p:spPr>
-        <p:txBody>
-          <a:bodyPr>
-            <a:normAutofit/>
-          </a:bodyPr>
+        <p:spPr/>
+        <p:txBody>
+          <a:bodyPr/>
           <a:lstStyle/>
           <a:p>
-            <a:pPr marL="0" indent="0" algn="ctr">
-              <a:buNone/>
-            </a:pPr>
-            <a:endParaRPr lang="hu-HU" sz="3200" dirty="0"/>
-          </a:p>
-          <a:p>
-            <a:pPr marL="0" indent="0" algn="ctr">
-              <a:buNone/>
-            </a:pPr>
-            <a:r>
-              <a:rPr lang="hu-HU" sz="4400" dirty="0"/>
-              <a:t>Demó</a:t>
-            </a:r>
-            <a:endParaRPr lang="en-US" sz="4400" dirty="0"/>
+            <a:endParaRPr lang="hu-HU" dirty="0"/>
+          </a:p>
+          <a:p>
+            <a:r>
+              <a:rPr lang="hu-HU" dirty="0"/>
+              <a:t>Adaptív problémamegoldás</a:t>
+            </a:r>
+          </a:p>
+          <a:p>
+            <a:endParaRPr lang="hu-HU" dirty="0"/>
+          </a:p>
+          <a:p>
+            <a:r>
+              <a:rPr lang="hu-HU" dirty="0"/>
+              <a:t>Csoportok</a:t>
+            </a:r>
+          </a:p>
+          <a:p>
+            <a:endParaRPr lang="hu-HU" dirty="0"/>
+          </a:p>
+          <a:p>
+            <a:r>
+              <a:rPr lang="hu-HU" dirty="0"/>
+              <a:t>Web-es platform</a:t>
+            </a:r>
+            <a:endParaRPr lang="en-US" dirty="0"/>
           </a:p>
         </p:txBody>
       </p:sp>
     </p:spTree>
     <p:extLst>
       <p:ext uri="{BB962C8B-B14F-4D97-AF65-F5344CB8AC3E}">
-        <p14:creationId xmlns:p14="http://schemas.microsoft.com/office/powerpoint/2010/main" val="696035006"/>
+        <p14:creationId xmlns:p14="http://schemas.microsoft.com/office/powerpoint/2010/main" val="321982801"/>
       </p:ext>
     </p:extLst>
   </p:cSld>
@@ -5260,10 +5168,10 @@
       </p:grpSpPr>
       <p:sp>
         <p:nvSpPr>
-          <p:cNvPr id="2" name="Title 1">
+          <p:cNvPr id="6" name="Title 5">
             <a:extLst>
               <a:ext uri="{FF2B5EF4-FFF2-40B4-BE49-F238E27FC236}">
-                <a16:creationId xmlns:a16="http://schemas.microsoft.com/office/drawing/2014/main" id="{D21A0308-3E3A-4F86-8850-154C06EE21A9}"/>
+                <a16:creationId xmlns:a16="http://schemas.microsoft.com/office/drawing/2014/main" id="{EC1A1A08-5C97-4DCA-BACC-5CAF0EBF67D7}"/>
               </a:ext>
             </a:extLst>
           </p:cNvPr>
@@ -5274,64 +5182,20 @@
             <p:ph type="title"/>
           </p:nvPr>
         </p:nvSpPr>
-        <p:spPr/>
+        <p:spPr>
+          <a:xfrm>
+            <a:off x="1295400" y="2686050"/>
+            <a:ext cx="9601200" cy="1485900"/>
+          </a:xfrm>
+        </p:spPr>
         <p:txBody>
           <a:bodyPr/>
           <a:lstStyle/>
           <a:p>
+            <a:pPr algn="ctr"/>
             <a:r>
               <a:rPr lang="hu-HU" dirty="0"/>
-              <a:t>Következtetések és továbbfejlesztési lehetőségek</a:t>
-            </a:r>
-            <a:endParaRPr lang="en-US" dirty="0"/>
-          </a:p>
-        </p:txBody>
-      </p:sp>
-      <p:sp>
-        <p:nvSpPr>
-          <p:cNvPr id="3" name="Content Placeholder 2">
-            <a:extLst>
-              <a:ext uri="{FF2B5EF4-FFF2-40B4-BE49-F238E27FC236}">
-                <a16:creationId xmlns:a16="http://schemas.microsoft.com/office/drawing/2014/main" id="{F77B0B2B-88BD-4804-9BE1-EE01DBB16CCA}"/>
-              </a:ext>
-            </a:extLst>
-          </p:cNvPr>
-          <p:cNvSpPr>
-            <a:spLocks noGrp="1"/>
-          </p:cNvSpPr>
-          <p:nvPr>
-            <p:ph idx="1"/>
-          </p:nvPr>
-        </p:nvSpPr>
-        <p:spPr/>
-        <p:txBody>
-          <a:bodyPr/>
-          <a:lstStyle/>
-          <a:p>
-            <a:endParaRPr lang="hu-HU" dirty="0"/>
-          </a:p>
-          <a:p>
-            <a:r>
-              <a:rPr lang="hu-HU" dirty="0"/>
-              <a:t>Adaptív problémamegoldás</a:t>
-            </a:r>
-          </a:p>
-          <a:p>
-            <a:endParaRPr lang="hu-HU" dirty="0"/>
-          </a:p>
-          <a:p>
-            <a:r>
-              <a:rPr lang="hu-HU" dirty="0"/>
-              <a:t>Csoportok</a:t>
-            </a:r>
-          </a:p>
-          <a:p>
-            <a:endParaRPr lang="hu-HU" dirty="0"/>
-          </a:p>
-          <a:p>
-            <a:r>
-              <a:rPr lang="hu-HU" dirty="0"/>
-              <a:t>Web-es platform</a:t>
+              <a:t>Köszönöm a figyelmet!</a:t>
             </a:r>
             <a:endParaRPr lang="en-US" dirty="0"/>
           </a:p>
@@ -5340,7 +5204,7 @@
     </p:spTree>
     <p:extLst>
       <p:ext uri="{BB962C8B-B14F-4D97-AF65-F5344CB8AC3E}">
-        <p14:creationId xmlns:p14="http://schemas.microsoft.com/office/powerpoint/2010/main" val="321982801"/>
+        <p14:creationId xmlns:p14="http://schemas.microsoft.com/office/powerpoint/2010/main" val="970662848"/>
       </p:ext>
     </p:extLst>
   </p:cSld>
